--- a/firebase.pptx
+++ b/firebase.pptx
@@ -5,12 +5,13 @@
     <p:sldMasterId id="2147483648" r:id="rId1"/>
   </p:sldMasterIdLst>
   <p:sldIdLst>
-    <p:sldId id="256" r:id="rId2"/>
-    <p:sldId id="257" r:id="rId3"/>
-    <p:sldId id="258" r:id="rId4"/>
-    <p:sldId id="261" r:id="rId5"/>
-    <p:sldId id="260" r:id="rId6"/>
-    <p:sldId id="259" r:id="rId7"/>
+    <p:sldId id="262" r:id="rId2"/>
+    <p:sldId id="256" r:id="rId3"/>
+    <p:sldId id="257" r:id="rId4"/>
+    <p:sldId id="258" r:id="rId5"/>
+    <p:sldId id="261" r:id="rId6"/>
+    <p:sldId id="260" r:id="rId7"/>
+    <p:sldId id="259" r:id="rId8"/>
   </p:sldIdLst>
   <p:sldSz cx="12192000" cy="6858000"/>
   <p:notesSz cx="6858000" cy="9144000"/>
@@ -2974,6 +2975,100 @@
           <a:chExt cx="0" cy="0"/>
         </a:xfrm>
       </p:grpSpPr>
+      <p:sp>
+        <p:nvSpPr>
+          <p:cNvPr id="4" name="Заголовок 3"/>
+          <p:cNvSpPr>
+            <a:spLocks noGrp="1"/>
+          </p:cNvSpPr>
+          <p:nvPr>
+            <p:ph type="title"/>
+          </p:nvPr>
+        </p:nvSpPr>
+        <p:spPr>
+          <a:xfrm>
+            <a:off x="831850" y="1709738"/>
+            <a:ext cx="10515600" cy="2852737"/>
+          </a:xfrm>
+        </p:spPr>
+        <p:txBody>
+          <a:bodyPr>
+            <a:noAutofit/>
+          </a:bodyPr>
+          <a:lstStyle/>
+          <a:p>
+            <a:pPr algn="ctr"/>
+            <a:r>
+              <a:rPr lang="en-US" sz="13800" dirty="0" smtClean="0">
+                <a:hlinkClick r:id="rId2"/>
+              </a:rPr>
+              <a:t>bit.ly/fireb16</a:t>
+            </a:r>
+            <a:r>
+              <a:rPr lang="en-US" sz="13800" dirty="0" smtClean="0"/>
+              <a:t>  </a:t>
+            </a:r>
+            <a:endParaRPr lang="ru-RU" sz="13800" dirty="0"/>
+          </a:p>
+        </p:txBody>
+      </p:sp>
+      <p:sp>
+        <p:nvSpPr>
+          <p:cNvPr id="5" name="Текст 4"/>
+          <p:cNvSpPr>
+            <a:spLocks noGrp="1"/>
+          </p:cNvSpPr>
+          <p:nvPr>
+            <p:ph type="body" idx="1"/>
+          </p:nvPr>
+        </p:nvSpPr>
+        <p:spPr/>
+        <p:txBody>
+          <a:bodyPr/>
+          <a:lstStyle/>
+          <a:p>
+            <a:r>
+              <a:rPr lang="ru-RU" dirty="0" err="1" smtClean="0"/>
+              <a:t>Склонируйте</a:t>
+            </a:r>
+            <a:r>
+              <a:rPr lang="ru-RU" dirty="0" smtClean="0"/>
+              <a:t> и выполните первые три пункта</a:t>
+            </a:r>
+            <a:endParaRPr lang="ru-RU" dirty="0"/>
+          </a:p>
+        </p:txBody>
+      </p:sp>
+    </p:spTree>
+    <p:extLst>
+      <p:ext uri="{BB962C8B-B14F-4D97-AF65-F5344CB8AC3E}">
+        <p14:creationId xmlns:p14="http://schemas.microsoft.com/office/powerpoint/2010/main" val="3582493148"/>
+      </p:ext>
+    </p:extLst>
+  </p:cSld>
+  <p:clrMapOvr>
+    <a:masterClrMapping/>
+  </p:clrMapOvr>
+</p:sld>
+</file>
+
+<file path=ppt/slides/slide2.xml><?xml version="1.0" encoding="utf-8"?>
+<p:sld xmlns:a="http://schemas.openxmlformats.org/drawingml/2006/main" xmlns:r="http://schemas.openxmlformats.org/officeDocument/2006/relationships" xmlns:p="http://schemas.openxmlformats.org/presentationml/2006/main">
+  <p:cSld>
+    <p:spTree>
+      <p:nvGrpSpPr>
+        <p:cNvPr id="1" name=""/>
+        <p:cNvGrpSpPr/>
+        <p:nvPr/>
+      </p:nvGrpSpPr>
+      <p:grpSpPr>
+        <a:xfrm>
+          <a:off x="0" y="0"/>
+          <a:ext cx="0" cy="0"/>
+          <a:chOff x="0" y="0"/>
+          <a:chExt cx="0" cy="0"/>
+        </a:xfrm>
+      </p:grpSpPr>
       <p:pic>
         <p:nvPicPr>
           <p:cNvPr id="1026" name="Picture 2" descr="https://lh3.googleusercontent.com/you5Qm6B9GhkBvQ-A25p2p3iDsRCzwbqupJ-H4wJWAnkl2O0jOgar4zhY31e0RUAw40P47jkfDg24T3KHDRFSFFRGUXn6a8=s888"/>
@@ -3028,7 +3123,7 @@
 </p:sld>
 </file>
 
-<file path=ppt/slides/slide2.xml><?xml version="1.0" encoding="utf-8"?>
+<file path=ppt/slides/slide3.xml><?xml version="1.0" encoding="utf-8"?>
 <p:sld xmlns:a="http://schemas.openxmlformats.org/drawingml/2006/main" xmlns:r="http://schemas.openxmlformats.org/officeDocument/2006/relationships" xmlns:p="http://schemas.openxmlformats.org/presentationml/2006/main">
   <p:cSld>
     <p:spTree>
@@ -3110,7 +3205,7 @@
 </p:sld>
 </file>
 
-<file path=ppt/slides/slide3.xml><?xml version="1.0" encoding="utf-8"?>
+<file path=ppt/slides/slide4.xml><?xml version="1.0" encoding="utf-8"?>
 <p:sld xmlns:a="http://schemas.openxmlformats.org/drawingml/2006/main" xmlns:r="http://schemas.openxmlformats.org/officeDocument/2006/relationships" xmlns:p="http://schemas.openxmlformats.org/presentationml/2006/main">
   <p:cSld>
     <p:spTree>
@@ -3522,7 +3617,7 @@
 </p:sld>
 </file>
 
-<file path=ppt/slides/slide4.xml><?xml version="1.0" encoding="utf-8"?>
+<file path=ppt/slides/slide5.xml><?xml version="1.0" encoding="utf-8"?>
 <p:sld xmlns:a="http://schemas.openxmlformats.org/drawingml/2006/main" xmlns:r="http://schemas.openxmlformats.org/officeDocument/2006/relationships" xmlns:p="http://schemas.openxmlformats.org/presentationml/2006/main">
   <p:cSld>
     <p:spTree>
@@ -3601,7 +3696,7 @@
 </p:sld>
 </file>
 
-<file path=ppt/slides/slide5.xml><?xml version="1.0" encoding="utf-8"?>
+<file path=ppt/slides/slide6.xml><?xml version="1.0" encoding="utf-8"?>
 <p:sld xmlns:a="http://schemas.openxmlformats.org/drawingml/2006/main" xmlns:r="http://schemas.openxmlformats.org/officeDocument/2006/relationships" xmlns:p="http://schemas.openxmlformats.org/presentationml/2006/main">
   <p:cSld>
     <p:spTree>
@@ -3886,7 +3981,7 @@
 </p:sld>
 </file>
 
-<file path=ppt/slides/slide6.xml><?xml version="1.0" encoding="utf-8"?>
+<file path=ppt/slides/slide7.xml><?xml version="1.0" encoding="utf-8"?>
 <p:sld xmlns:a="http://schemas.openxmlformats.org/drawingml/2006/main" xmlns:r="http://schemas.openxmlformats.org/officeDocument/2006/relationships" xmlns:p="http://schemas.openxmlformats.org/presentationml/2006/main">
   <p:cSld>
     <p:spTree>
@@ -3941,7 +4036,7 @@
           <a:bodyPr/>
           <a:lstStyle/>
           <a:p>
-            <a:endParaRPr lang="ru-RU"/>
+            <a:endParaRPr lang="ru-RU" dirty="0"/>
           </a:p>
         </p:txBody>
       </p:sp>
